--- a/Week7/Week7_Slides.pptx
+++ b/Week7/Week7_Slides.pptx
@@ -5,7 +5,7 @@
     <p:sldMasterId id="2147483648" r:id="rId1"/>
   </p:sldMasterIdLst>
   <p:notesMasterIdLst>
-    <p:notesMasterId r:id="rId8"/>
+    <p:notesMasterId r:id="rId11"/>
   </p:notesMasterIdLst>
   <p:sldIdLst>
     <p:sldId id="256" r:id="rId2"/>
@@ -13,7 +13,10 @@
     <p:sldId id="282" r:id="rId4"/>
     <p:sldId id="283" r:id="rId5"/>
     <p:sldId id="284" r:id="rId6"/>
-    <p:sldId id="285" r:id="rId7"/>
+    <p:sldId id="287" r:id="rId7"/>
+    <p:sldId id="288" r:id="rId8"/>
+    <p:sldId id="286" r:id="rId9"/>
+    <p:sldId id="285" r:id="rId10"/>
   </p:sldIdLst>
   <p:sldSz cx="12192000" cy="6858000"/>
   <p:notesSz cx="6858000" cy="9144000"/>
@@ -210,7 +213,7 @@
           <a:p>
             <a:fld id="{9159B377-86EE-4AF0-A001-639995B6794D}" type="datetimeFigureOut">
               <a:rPr lang="en-US" smtClean="0"/>
-              <a:t>5/2/2025</a:t>
+              <a:t>5/8/2025</a:t>
             </a:fld>
             <a:endParaRPr lang="en-US"/>
           </a:p>
@@ -777,6 +780,114 @@
 </p:notes>
 </file>
 
+<file path=ppt/notesSlides/notesSlide4.xml><?xml version="1.0" encoding="utf-8"?>
+<p:notes xmlns:a="http://schemas.openxmlformats.org/drawingml/2006/main" xmlns:r="http://schemas.openxmlformats.org/officeDocument/2006/relationships" xmlns:p="http://schemas.openxmlformats.org/presentationml/2006/main">
+  <p:cSld>
+    <p:spTree>
+      <p:nvGrpSpPr>
+        <p:cNvPr id="1" name="">
+          <a:extLst>
+            <a:ext uri="{FF2B5EF4-FFF2-40B4-BE49-F238E27FC236}">
+              <a16:creationId xmlns:a16="http://schemas.microsoft.com/office/drawing/2014/main" id="{1C5CACBB-3175-D2F4-5181-141E4BF01224}"/>
+            </a:ext>
+          </a:extLst>
+        </p:cNvPr>
+        <p:cNvGrpSpPr/>
+        <p:nvPr/>
+      </p:nvGrpSpPr>
+      <p:grpSpPr>
+        <a:xfrm>
+          <a:off x="0" y="0"/>
+          <a:ext cx="0" cy="0"/>
+          <a:chOff x="0" y="0"/>
+          <a:chExt cx="0" cy="0"/>
+        </a:xfrm>
+      </p:grpSpPr>
+      <p:sp>
+        <p:nvSpPr>
+          <p:cNvPr id="2" name="Slide Image Placeholder 1">
+            <a:extLst>
+              <a:ext uri="{FF2B5EF4-FFF2-40B4-BE49-F238E27FC236}">
+                <a16:creationId xmlns:a16="http://schemas.microsoft.com/office/drawing/2014/main" id="{1781EDE5-D7E0-0FD3-6488-844C35B22498}"/>
+              </a:ext>
+            </a:extLst>
+          </p:cNvPr>
+          <p:cNvSpPr>
+            <a:spLocks noGrp="1" noRot="1" noChangeAspect="1"/>
+          </p:cNvSpPr>
+          <p:nvPr>
+            <p:ph type="sldImg"/>
+          </p:nvPr>
+        </p:nvSpPr>
+        <p:spPr/>
+      </p:sp>
+      <p:sp>
+        <p:nvSpPr>
+          <p:cNvPr id="3" name="Notes Placeholder 2">
+            <a:extLst>
+              <a:ext uri="{FF2B5EF4-FFF2-40B4-BE49-F238E27FC236}">
+                <a16:creationId xmlns:a16="http://schemas.microsoft.com/office/drawing/2014/main" id="{2D75DBF4-0AB3-B88B-1495-AACE7B07436B}"/>
+              </a:ext>
+            </a:extLst>
+          </p:cNvPr>
+          <p:cNvSpPr>
+            <a:spLocks noGrp="1"/>
+          </p:cNvSpPr>
+          <p:nvPr>
+            <p:ph type="body" idx="1"/>
+          </p:nvPr>
+        </p:nvSpPr>
+        <p:spPr/>
+        <p:txBody>
+          <a:bodyPr/>
+          <a:lstStyle/>
+          <a:p>
+            <a:endParaRPr lang="en-US" dirty="0"/>
+          </a:p>
+        </p:txBody>
+      </p:sp>
+      <p:sp>
+        <p:nvSpPr>
+          <p:cNvPr id="4" name="Slide Number Placeholder 3">
+            <a:extLst>
+              <a:ext uri="{FF2B5EF4-FFF2-40B4-BE49-F238E27FC236}">
+                <a16:creationId xmlns:a16="http://schemas.microsoft.com/office/drawing/2014/main" id="{0917ED4E-70CF-5D0C-B959-9D706702752C}"/>
+              </a:ext>
+            </a:extLst>
+          </p:cNvPr>
+          <p:cNvSpPr>
+            <a:spLocks noGrp="1"/>
+          </p:cNvSpPr>
+          <p:nvPr>
+            <p:ph type="sldNum" sz="quarter" idx="5"/>
+          </p:nvPr>
+        </p:nvSpPr>
+        <p:spPr/>
+        <p:txBody>
+          <a:bodyPr/>
+          <a:lstStyle/>
+          <a:p>
+            <a:fld id="{4DAE01B5-D52E-4147-A8F7-F79E80A7460D}" type="slidenum">
+              <a:rPr lang="en-US" smtClean="0"/>
+              <a:t>8</a:t>
+            </a:fld>
+            <a:endParaRPr lang="en-US"/>
+          </a:p>
+        </p:txBody>
+      </p:sp>
+    </p:spTree>
+    <p:extLst>
+      <p:ext uri="{BB962C8B-B14F-4D97-AF65-F5344CB8AC3E}">
+        <p14:creationId xmlns:p14="http://schemas.microsoft.com/office/powerpoint/2010/main" val="2405710663"/>
+      </p:ext>
+    </p:extLst>
+  </p:cSld>
+  <p:clrMapOvr>
+    <a:masterClrMapping/>
+  </p:clrMapOvr>
+</p:notes>
+</file>
+
 <file path=ppt/slideLayouts/slideLayout1.xml><?xml version="1.0" encoding="utf-8"?>
 <p:sldLayout xmlns:a="http://schemas.openxmlformats.org/drawingml/2006/main" xmlns:r="http://schemas.openxmlformats.org/officeDocument/2006/relationships" xmlns:p="http://schemas.openxmlformats.org/presentationml/2006/main" type="title" preserve="1">
   <p:cSld name="Title Slide">
@@ -924,7 +1035,7 @@
           <a:p>
             <a:fld id="{B8CBA91D-CA13-43C7-BDE8-E1CE1C707EA6}" type="datetimeFigureOut">
               <a:rPr lang="en-US" smtClean="0"/>
-              <a:t>5/2/2025</a:t>
+              <a:t>5/8/2025</a:t>
             </a:fld>
             <a:endParaRPr lang="en-US"/>
           </a:p>
@@ -1122,7 +1233,7 @@
           <a:p>
             <a:fld id="{B8CBA91D-CA13-43C7-BDE8-E1CE1C707EA6}" type="datetimeFigureOut">
               <a:rPr lang="en-US" smtClean="0"/>
-              <a:t>5/2/2025</a:t>
+              <a:t>5/8/2025</a:t>
             </a:fld>
             <a:endParaRPr lang="en-US"/>
           </a:p>
@@ -1330,7 +1441,7 @@
           <a:p>
             <a:fld id="{B8CBA91D-CA13-43C7-BDE8-E1CE1C707EA6}" type="datetimeFigureOut">
               <a:rPr lang="en-US" smtClean="0"/>
-              <a:t>5/2/2025</a:t>
+              <a:t>5/8/2025</a:t>
             </a:fld>
             <a:endParaRPr lang="en-US"/>
           </a:p>
@@ -1528,7 +1639,7 @@
           <a:p>
             <a:fld id="{B8CBA91D-CA13-43C7-BDE8-E1CE1C707EA6}" type="datetimeFigureOut">
               <a:rPr lang="en-US" smtClean="0"/>
-              <a:t>5/2/2025</a:t>
+              <a:t>5/8/2025</a:t>
             </a:fld>
             <a:endParaRPr lang="en-US"/>
           </a:p>
@@ -1803,7 +1914,7 @@
           <a:p>
             <a:fld id="{B8CBA91D-CA13-43C7-BDE8-E1CE1C707EA6}" type="datetimeFigureOut">
               <a:rPr lang="en-US" smtClean="0"/>
-              <a:t>5/2/2025</a:t>
+              <a:t>5/8/2025</a:t>
             </a:fld>
             <a:endParaRPr lang="en-US"/>
           </a:p>
@@ -2068,7 +2179,7 @@
           <a:p>
             <a:fld id="{B8CBA91D-CA13-43C7-BDE8-E1CE1C707EA6}" type="datetimeFigureOut">
               <a:rPr lang="en-US" smtClean="0"/>
-              <a:t>5/2/2025</a:t>
+              <a:t>5/8/2025</a:t>
             </a:fld>
             <a:endParaRPr lang="en-US"/>
           </a:p>
@@ -2480,7 +2591,7 @@
           <a:p>
             <a:fld id="{B8CBA91D-CA13-43C7-BDE8-E1CE1C707EA6}" type="datetimeFigureOut">
               <a:rPr lang="en-US" smtClean="0"/>
-              <a:t>5/2/2025</a:t>
+              <a:t>5/8/2025</a:t>
             </a:fld>
             <a:endParaRPr lang="en-US"/>
           </a:p>
@@ -2621,7 +2732,7 @@
           <a:p>
             <a:fld id="{B8CBA91D-CA13-43C7-BDE8-E1CE1C707EA6}" type="datetimeFigureOut">
               <a:rPr lang="en-US" smtClean="0"/>
-              <a:t>5/2/2025</a:t>
+              <a:t>5/8/2025</a:t>
             </a:fld>
             <a:endParaRPr lang="en-US"/>
           </a:p>
@@ -2734,7 +2845,7 @@
           <a:p>
             <a:fld id="{B8CBA91D-CA13-43C7-BDE8-E1CE1C707EA6}" type="datetimeFigureOut">
               <a:rPr lang="en-US" smtClean="0"/>
-              <a:t>5/2/2025</a:t>
+              <a:t>5/8/2025</a:t>
             </a:fld>
             <a:endParaRPr lang="en-US"/>
           </a:p>
@@ -3045,7 +3156,7 @@
           <a:p>
             <a:fld id="{B8CBA91D-CA13-43C7-BDE8-E1CE1C707EA6}" type="datetimeFigureOut">
               <a:rPr lang="en-US" smtClean="0"/>
-              <a:t>5/2/2025</a:t>
+              <a:t>5/8/2025</a:t>
             </a:fld>
             <a:endParaRPr lang="en-US"/>
           </a:p>
@@ -3333,7 +3444,7 @@
           <a:p>
             <a:fld id="{B8CBA91D-CA13-43C7-BDE8-E1CE1C707EA6}" type="datetimeFigureOut">
               <a:rPr lang="en-US" smtClean="0"/>
-              <a:t>5/2/2025</a:t>
+              <a:t>5/8/2025</a:t>
             </a:fld>
             <a:endParaRPr lang="en-US"/>
           </a:p>
@@ -3574,7 +3685,7 @@
           <a:p>
             <a:fld id="{B8CBA91D-CA13-43C7-BDE8-E1CE1C707EA6}" type="datetimeFigureOut">
               <a:rPr lang="en-US" smtClean="0"/>
-              <a:t>5/2/2025</a:t>
+              <a:t>5/8/2025</a:t>
             </a:fld>
             <a:endParaRPr lang="en-US"/>
           </a:p>
@@ -5753,6 +5864,807 @@
         </p:nvSpPr>
         <p:spPr>
           <a:xfrm>
+            <a:off x="680829" y="375409"/>
+            <a:ext cx="6130517" cy="769441"/>
+          </a:xfrm>
+          <a:prstGeom prst="rect">
+            <a:avLst/>
+          </a:prstGeom>
+          <a:noFill/>
+        </p:spPr>
+        <p:txBody>
+          <a:bodyPr wrap="square" rtlCol="0">
+            <a:spAutoFit/>
+          </a:bodyPr>
+          <a:lstStyle/>
+          <a:p>
+            <a:r>
+              <a:rPr lang="en-US" sz="4400" dirty="0">
+                <a:solidFill>
+                  <a:schemeClr val="accent2"/>
+                </a:solidFill>
+                <a:latin typeface="Roboto Black" panose="02000000000000000000" pitchFamily="2" charset="0"/>
+                <a:ea typeface="Roboto Black" panose="02000000000000000000" pitchFamily="2" charset="0"/>
+              </a:rPr>
+              <a:t>Unity Particle Systems</a:t>
+            </a:r>
+          </a:p>
+        </p:txBody>
+      </p:sp>
+      <p:sp>
+        <p:nvSpPr>
+          <p:cNvPr id="7" name="TextBox 6">
+            <a:extLst>
+              <a:ext uri="{FF2B5EF4-FFF2-40B4-BE49-F238E27FC236}">
+                <a16:creationId xmlns:a16="http://schemas.microsoft.com/office/drawing/2014/main" id="{34B9C1A2-C251-933E-3ECC-99B149BD56FC}"/>
+              </a:ext>
+            </a:extLst>
+          </p:cNvPr>
+          <p:cNvSpPr txBox="1"/>
+          <p:nvPr/>
+        </p:nvSpPr>
+        <p:spPr>
+          <a:xfrm>
+            <a:off x="680829" y="1520258"/>
+            <a:ext cx="5922395" cy="1077218"/>
+          </a:xfrm>
+          <a:prstGeom prst="rect">
+            <a:avLst/>
+          </a:prstGeom>
+          <a:noFill/>
+        </p:spPr>
+        <p:txBody>
+          <a:bodyPr wrap="square" rtlCol="0">
+            <a:spAutoFit/>
+          </a:bodyPr>
+          <a:lstStyle/>
+          <a:p>
+            <a:r>
+              <a:rPr lang="en-US" sz="1600" b="1" dirty="0">
+                <a:solidFill>
+                  <a:schemeClr val="accent5"/>
+                </a:solidFill>
+                <a:latin typeface="-apple-system"/>
+                <a:ea typeface="Roboto" panose="02000000000000000000" pitchFamily="2" charset="0"/>
+              </a:rPr>
+              <a:t>Particle Systems </a:t>
+            </a:r>
+            <a:r>
+              <a:rPr lang="en-US" sz="1600" dirty="0">
+                <a:latin typeface="-apple-system"/>
+                <a:ea typeface="Roboto" panose="02000000000000000000" pitchFamily="2" charset="0"/>
+              </a:rPr>
+              <a:t>are used to create complex visual effects like fire, smoke, sparks, snow, and magic effects. They work by generating and controlling a large number of small particles over time.</a:t>
+            </a:r>
+          </a:p>
+          <a:p>
+            <a:endParaRPr lang="en-US" sz="1600" dirty="0">
+              <a:latin typeface="-apple-system"/>
+              <a:ea typeface="Roboto" panose="02000000000000000000" pitchFamily="2" charset="0"/>
+            </a:endParaRPr>
+          </a:p>
+        </p:txBody>
+      </p:sp>
+      <p:graphicFrame>
+        <p:nvGraphicFramePr>
+          <p:cNvPr id="3" name="Table 2">
+            <a:extLst>
+              <a:ext uri="{FF2B5EF4-FFF2-40B4-BE49-F238E27FC236}">
+                <a16:creationId xmlns:a16="http://schemas.microsoft.com/office/drawing/2014/main" id="{33EFA430-530F-2CD1-C8DA-ECAD2E6D14C7}"/>
+              </a:ext>
+            </a:extLst>
+          </p:cNvPr>
+          <p:cNvGraphicFramePr>
+            <a:graphicFrameLocks noGrp="1"/>
+          </p:cNvGraphicFramePr>
+          <p:nvPr>
+            <p:extLst>
+              <p:ext uri="{D42A27DB-BD31-4B8C-83A1-F6EECF244321}">
+                <p14:modId xmlns:p14="http://schemas.microsoft.com/office/powerpoint/2010/main" val="3988212978"/>
+              </p:ext>
+            </p:extLst>
+          </p:nvPr>
+        </p:nvGraphicFramePr>
+        <p:xfrm>
+          <a:off x="784045" y="2499916"/>
+          <a:ext cx="5938808" cy="1586192"/>
+        </p:xfrm>
+        <a:graphic>
+          <a:graphicData uri="http://schemas.openxmlformats.org/drawingml/2006/table">
+            <a:tbl>
+              <a:tblPr firstRow="1" bandRow="1">
+                <a:tableStyleId>{7DF18680-E054-41AD-8BC1-D1AEF772440D}</a:tableStyleId>
+              </a:tblPr>
+              <a:tblGrid>
+                <a:gridCol w="2969404">
+                  <a:extLst>
+                    <a:ext uri="{9D8B030D-6E8A-4147-A177-3AD203B41FA5}">
+                      <a16:colId xmlns:a16="http://schemas.microsoft.com/office/drawing/2014/main" val="2961043134"/>
+                    </a:ext>
+                  </a:extLst>
+                </a:gridCol>
+                <a:gridCol w="2969404">
+                  <a:extLst>
+                    <a:ext uri="{9D8B030D-6E8A-4147-A177-3AD203B41FA5}">
+                      <a16:colId xmlns:a16="http://schemas.microsoft.com/office/drawing/2014/main" val="3690100295"/>
+                    </a:ext>
+                  </a:extLst>
+                </a:gridCol>
+              </a:tblGrid>
+              <a:tr h="368316">
+                <a:tc>
+                  <a:txBody>
+                    <a:bodyPr/>
+                    <a:lstStyle/>
+                    <a:p>
+                      <a:r>
+                        <a:rPr lang="en-US" sz="1500" dirty="0"/>
+                        <a:t>Properties</a:t>
+                      </a:r>
+                    </a:p>
+                  </a:txBody>
+                  <a:tcPr marL="75537" marR="75537" marT="37769" marB="37769"/>
+                </a:tc>
+                <a:tc>
+                  <a:txBody>
+                    <a:bodyPr/>
+                    <a:lstStyle/>
+                    <a:p>
+                      <a:r>
+                        <a:rPr lang="en-US" sz="1500" dirty="0"/>
+                        <a:t>Description</a:t>
+                      </a:r>
+                    </a:p>
+                  </a:txBody>
+                  <a:tcPr marL="75537" marR="75537" marT="37769" marB="37769"/>
+                </a:tc>
+                <a:extLst>
+                  <a:ext uri="{0D108BD9-81ED-4DB2-BD59-A6C34878D82A}">
+                    <a16:rowId xmlns:a16="http://schemas.microsoft.com/office/drawing/2014/main" val="4046720965"/>
+                  </a:ext>
+                </a:extLst>
+              </a:tr>
+              <a:tr h="368316">
+                <a:tc>
+                  <a:txBody>
+                    <a:bodyPr/>
+                    <a:lstStyle/>
+                    <a:p>
+                      <a:r>
+                        <a:rPr lang="en-US" sz="1500" b="1" dirty="0"/>
+                        <a:t>emission</a:t>
+                      </a:r>
+                    </a:p>
+                  </a:txBody>
+                  <a:tcPr marL="75537" marR="75537" marT="37769" marB="37769"/>
+                </a:tc>
+                <a:tc>
+                  <a:txBody>
+                    <a:bodyPr/>
+                    <a:lstStyle/>
+                    <a:p>
+                      <a:r>
+                        <a:rPr lang="en-US" sz="1400" dirty="0"/>
+                        <a:t>Controls the rate and burst of particles.</a:t>
+                      </a:r>
+                    </a:p>
+                  </a:txBody>
+                  <a:tcPr marL="75537" marR="75537" marT="37769" marB="37769"/>
+                </a:tc>
+                <a:extLst>
+                  <a:ext uri="{0D108BD9-81ED-4DB2-BD59-A6C34878D82A}">
+                    <a16:rowId xmlns:a16="http://schemas.microsoft.com/office/drawing/2014/main" val="896561863"/>
+                  </a:ext>
+                </a:extLst>
+              </a:tr>
+              <a:tr h="368316">
+                <a:tc>
+                  <a:txBody>
+                    <a:bodyPr/>
+                    <a:lstStyle/>
+                    <a:p>
+                      <a:r>
+                        <a:rPr lang="en-US" sz="1500" b="1" dirty="0"/>
+                        <a:t>main</a:t>
+                      </a:r>
+                    </a:p>
+                  </a:txBody>
+                  <a:tcPr marL="75537" marR="75537" marT="37769" marB="37769"/>
+                </a:tc>
+                <a:tc>
+                  <a:txBody>
+                    <a:bodyPr/>
+                    <a:lstStyle/>
+                    <a:p>
+                      <a:r>
+                        <a:rPr lang="en-US" sz="1400" dirty="0"/>
+                        <a:t>Manages core properties like lifetime, speed, size, color, and gravity.</a:t>
+                      </a:r>
+                    </a:p>
+                  </a:txBody>
+                  <a:tcPr marL="75537" marR="75537" marT="37769" marB="37769"/>
+                </a:tc>
+                <a:extLst>
+                  <a:ext uri="{0D108BD9-81ED-4DB2-BD59-A6C34878D82A}">
+                    <a16:rowId xmlns:a16="http://schemas.microsoft.com/office/drawing/2014/main" val="205125046"/>
+                  </a:ext>
+                </a:extLst>
+              </a:tr>
+            </a:tbl>
+          </a:graphicData>
+        </a:graphic>
+      </p:graphicFrame>
+      <p:graphicFrame>
+        <p:nvGraphicFramePr>
+          <p:cNvPr id="8" name="Table 7">
+            <a:extLst>
+              <a:ext uri="{FF2B5EF4-FFF2-40B4-BE49-F238E27FC236}">
+                <a16:creationId xmlns:a16="http://schemas.microsoft.com/office/drawing/2014/main" id="{59752A2D-7654-50D6-7669-5BAEC400DC7C}"/>
+              </a:ext>
+            </a:extLst>
+          </p:cNvPr>
+          <p:cNvGraphicFramePr>
+            <a:graphicFrameLocks noGrp="1"/>
+          </p:cNvGraphicFramePr>
+          <p:nvPr>
+            <p:extLst>
+              <p:ext uri="{D42A27DB-BD31-4B8C-83A1-F6EECF244321}">
+                <p14:modId xmlns:p14="http://schemas.microsoft.com/office/powerpoint/2010/main" val="1581592939"/>
+              </p:ext>
+            </p:extLst>
+          </p:nvPr>
+        </p:nvGraphicFramePr>
+        <p:xfrm>
+          <a:off x="784045" y="4250370"/>
+          <a:ext cx="5938808" cy="1975522"/>
+        </p:xfrm>
+        <a:graphic>
+          <a:graphicData uri="http://schemas.openxmlformats.org/drawingml/2006/table">
+            <a:tbl>
+              <a:tblPr firstRow="1" bandRow="1">
+                <a:tableStyleId>{7DF18680-E054-41AD-8BC1-D1AEF772440D}</a:tableStyleId>
+              </a:tblPr>
+              <a:tblGrid>
+                <a:gridCol w="2969404">
+                  <a:extLst>
+                    <a:ext uri="{9D8B030D-6E8A-4147-A177-3AD203B41FA5}">
+                      <a16:colId xmlns:a16="http://schemas.microsoft.com/office/drawing/2014/main" val="2961043134"/>
+                    </a:ext>
+                  </a:extLst>
+                </a:gridCol>
+                <a:gridCol w="2969404">
+                  <a:extLst>
+                    <a:ext uri="{9D8B030D-6E8A-4147-A177-3AD203B41FA5}">
+                      <a16:colId xmlns:a16="http://schemas.microsoft.com/office/drawing/2014/main" val="3690100295"/>
+                    </a:ext>
+                  </a:extLst>
+                </a:gridCol>
+              </a:tblGrid>
+              <a:tr h="368316">
+                <a:tc>
+                  <a:txBody>
+                    <a:bodyPr/>
+                    <a:lstStyle/>
+                    <a:p>
+                      <a:r>
+                        <a:rPr lang="en-US" sz="1500" dirty="0"/>
+                        <a:t>Methods</a:t>
+                      </a:r>
+                    </a:p>
+                  </a:txBody>
+                  <a:tcPr marL="75537" marR="75537" marT="37769" marB="37769"/>
+                </a:tc>
+                <a:tc>
+                  <a:txBody>
+                    <a:bodyPr/>
+                    <a:lstStyle/>
+                    <a:p>
+                      <a:r>
+                        <a:rPr lang="en-US" sz="1500" dirty="0"/>
+                        <a:t>Description</a:t>
+                      </a:r>
+                    </a:p>
+                  </a:txBody>
+                  <a:tcPr marL="75537" marR="75537" marT="37769" marB="37769"/>
+                </a:tc>
+                <a:extLst>
+                  <a:ext uri="{0D108BD9-81ED-4DB2-BD59-A6C34878D82A}">
+                    <a16:rowId xmlns:a16="http://schemas.microsoft.com/office/drawing/2014/main" val="4046720965"/>
+                  </a:ext>
+                </a:extLst>
+              </a:tr>
+              <a:tr h="368316">
+                <a:tc>
+                  <a:txBody>
+                    <a:bodyPr/>
+                    <a:lstStyle/>
+                    <a:p>
+                      <a:r>
+                        <a:rPr lang="en-US" sz="1500" b="1" dirty="0"/>
+                        <a:t>Play()</a:t>
+                      </a:r>
+                    </a:p>
+                  </a:txBody>
+                  <a:tcPr marL="75537" marR="75537" marT="37769" marB="37769"/>
+                </a:tc>
+                <a:tc>
+                  <a:txBody>
+                    <a:bodyPr/>
+                    <a:lstStyle/>
+                    <a:p>
+                      <a:r>
+                        <a:rPr lang="en-US" sz="1400" dirty="0"/>
+                        <a:t>Starts the particle system.</a:t>
+                      </a:r>
+                    </a:p>
+                  </a:txBody>
+                  <a:tcPr marL="75537" marR="75537" marT="37769" marB="37769"/>
+                </a:tc>
+                <a:extLst>
+                  <a:ext uri="{0D108BD9-81ED-4DB2-BD59-A6C34878D82A}">
+                    <a16:rowId xmlns:a16="http://schemas.microsoft.com/office/drawing/2014/main" val="896561863"/>
+                  </a:ext>
+                </a:extLst>
+              </a:tr>
+              <a:tr h="368316">
+                <a:tc>
+                  <a:txBody>
+                    <a:bodyPr/>
+                    <a:lstStyle/>
+                    <a:p>
+                      <a:r>
+                        <a:rPr lang="en-US" sz="1500" b="1" dirty="0"/>
+                        <a:t>Stop()</a:t>
+                      </a:r>
+                    </a:p>
+                  </a:txBody>
+                  <a:tcPr marL="75537" marR="75537" marT="37769" marB="37769"/>
+                </a:tc>
+                <a:tc>
+                  <a:txBody>
+                    <a:bodyPr/>
+                    <a:lstStyle/>
+                    <a:p>
+                      <a:r>
+                        <a:rPr lang="en-US" sz="1400" dirty="0"/>
+                        <a:t>Stops the particle system.</a:t>
+                      </a:r>
+                    </a:p>
+                  </a:txBody>
+                  <a:tcPr marL="75537" marR="75537" marT="37769" marB="37769"/>
+                </a:tc>
+                <a:extLst>
+                  <a:ext uri="{0D108BD9-81ED-4DB2-BD59-A6C34878D82A}">
+                    <a16:rowId xmlns:a16="http://schemas.microsoft.com/office/drawing/2014/main" val="3439487683"/>
+                  </a:ext>
+                </a:extLst>
+              </a:tr>
+              <a:tr h="368316">
+                <a:tc>
+                  <a:txBody>
+                    <a:bodyPr/>
+                    <a:lstStyle/>
+                    <a:p>
+                      <a:r>
+                        <a:rPr lang="en-US" sz="1500" b="1" dirty="0"/>
+                        <a:t>Pause()</a:t>
+                      </a:r>
+                    </a:p>
+                  </a:txBody>
+                  <a:tcPr marL="75537" marR="75537" marT="37769" marB="37769"/>
+                </a:tc>
+                <a:tc>
+                  <a:txBody>
+                    <a:bodyPr/>
+                    <a:lstStyle/>
+                    <a:p>
+                      <a:r>
+                        <a:rPr lang="en-US" sz="1400" dirty="0"/>
+                        <a:t>Pauses the particle system without clearing it.</a:t>
+                      </a:r>
+                    </a:p>
+                  </a:txBody>
+                  <a:tcPr marL="75537" marR="75537" marT="37769" marB="37769"/>
+                </a:tc>
+                <a:extLst>
+                  <a:ext uri="{0D108BD9-81ED-4DB2-BD59-A6C34878D82A}">
+                    <a16:rowId xmlns:a16="http://schemas.microsoft.com/office/drawing/2014/main" val="205125046"/>
+                  </a:ext>
+                </a:extLst>
+              </a:tr>
+              <a:tr h="368316">
+                <a:tc>
+                  <a:txBody>
+                    <a:bodyPr/>
+                    <a:lstStyle/>
+                    <a:p>
+                      <a:r>
+                        <a:rPr lang="en-US" sz="1500" b="1" dirty="0"/>
+                        <a:t>Clear()</a:t>
+                      </a:r>
+                    </a:p>
+                  </a:txBody>
+                  <a:tcPr marL="75537" marR="75537" marT="37769" marB="37769"/>
+                </a:tc>
+                <a:tc>
+                  <a:txBody>
+                    <a:bodyPr/>
+                    <a:lstStyle/>
+                    <a:p>
+                      <a:r>
+                        <a:rPr lang="en-US" sz="1400" dirty="0"/>
+                        <a:t>Clears all active particles.</a:t>
+                      </a:r>
+                    </a:p>
+                  </a:txBody>
+                  <a:tcPr marL="75537" marR="75537" marT="37769" marB="37769"/>
+                </a:tc>
+                <a:extLst>
+                  <a:ext uri="{0D108BD9-81ED-4DB2-BD59-A6C34878D82A}">
+                    <a16:rowId xmlns:a16="http://schemas.microsoft.com/office/drawing/2014/main" val="1785550099"/>
+                  </a:ext>
+                </a:extLst>
+              </a:tr>
+            </a:tbl>
+          </a:graphicData>
+        </a:graphic>
+      </p:graphicFrame>
+      <p:pic>
+        <p:nvPicPr>
+          <p:cNvPr id="12" name="Picture 11">
+            <a:extLst>
+              <a:ext uri="{FF2B5EF4-FFF2-40B4-BE49-F238E27FC236}">
+                <a16:creationId xmlns:a16="http://schemas.microsoft.com/office/drawing/2014/main" id="{36E662CE-D038-8945-49D6-0D1C04049E53}"/>
+              </a:ext>
+            </a:extLst>
+          </p:cNvPr>
+          <p:cNvPicPr>
+            <a:picLocks noChangeAspect="1"/>
+          </p:cNvPicPr>
+          <p:nvPr/>
+        </p:nvPicPr>
+        <p:blipFill>
+          <a:blip r:embed="rId3"/>
+          <a:stretch>
+            <a:fillRect/>
+          </a:stretch>
+        </p:blipFill>
+        <p:spPr>
+          <a:xfrm>
+            <a:off x="7959859" y="252308"/>
+            <a:ext cx="3169073" cy="6353383"/>
+          </a:xfrm>
+          <a:prstGeom prst="rect">
+            <a:avLst/>
+          </a:prstGeom>
+        </p:spPr>
+      </p:pic>
+    </p:spTree>
+    <p:extLst>
+      <p:ext uri="{BB962C8B-B14F-4D97-AF65-F5344CB8AC3E}">
+        <p14:creationId xmlns:p14="http://schemas.microsoft.com/office/powerpoint/2010/main" val="4026568645"/>
+      </p:ext>
+    </p:extLst>
+  </p:cSld>
+  <p:clrMapOvr>
+    <a:masterClrMapping/>
+  </p:clrMapOvr>
+</p:sld>
+</file>
+
+<file path=ppt/slides/slide6.xml><?xml version="1.0" encoding="utf-8"?>
+<p:sld xmlns:a="http://schemas.openxmlformats.org/drawingml/2006/main" xmlns:r="http://schemas.openxmlformats.org/officeDocument/2006/relationships" xmlns:p="http://schemas.openxmlformats.org/presentationml/2006/main">
+  <p:cSld>
+    <p:spTree>
+      <p:nvGrpSpPr>
+        <p:cNvPr id="1" name=""/>
+        <p:cNvGrpSpPr/>
+        <p:nvPr/>
+      </p:nvGrpSpPr>
+      <p:grpSpPr>
+        <a:xfrm>
+          <a:off x="0" y="0"/>
+          <a:ext cx="0" cy="0"/>
+          <a:chOff x="0" y="0"/>
+          <a:chExt cx="0" cy="0"/>
+        </a:xfrm>
+      </p:grpSpPr>
+      <p:pic>
+        <p:nvPicPr>
+          <p:cNvPr id="3" name="Picture 2">
+            <a:extLst>
+              <a:ext uri="{FF2B5EF4-FFF2-40B4-BE49-F238E27FC236}">
+                <a16:creationId xmlns:a16="http://schemas.microsoft.com/office/drawing/2014/main" id="{DF81E8A8-2709-365F-E9FC-0202B600F3ED}"/>
+              </a:ext>
+            </a:extLst>
+          </p:cNvPr>
+          <p:cNvPicPr>
+            <a:picLocks noChangeAspect="1"/>
+          </p:cNvPicPr>
+          <p:nvPr/>
+        </p:nvPicPr>
+        <p:blipFill>
+          <a:blip r:embed="rId2"/>
+          <a:stretch>
+            <a:fillRect/>
+          </a:stretch>
+        </p:blipFill>
+        <p:spPr>
+          <a:xfrm>
+            <a:off x="6096000" y="365503"/>
+            <a:ext cx="4476624" cy="6126993"/>
+          </a:xfrm>
+          <a:prstGeom prst="rect">
+            <a:avLst/>
+          </a:prstGeom>
+        </p:spPr>
+      </p:pic>
+      <p:sp>
+        <p:nvSpPr>
+          <p:cNvPr id="4" name="TextBox 3">
+            <a:extLst>
+              <a:ext uri="{FF2B5EF4-FFF2-40B4-BE49-F238E27FC236}">
+                <a16:creationId xmlns:a16="http://schemas.microsoft.com/office/drawing/2014/main" id="{D5A182AA-5A82-0E88-51C6-DF5E0A4B87BA}"/>
+              </a:ext>
+            </a:extLst>
+          </p:cNvPr>
+          <p:cNvSpPr txBox="1"/>
+          <p:nvPr/>
+        </p:nvSpPr>
+        <p:spPr>
+          <a:xfrm>
+            <a:off x="982674" y="2705724"/>
+            <a:ext cx="3877102" cy="1446550"/>
+          </a:xfrm>
+          <a:prstGeom prst="rect">
+            <a:avLst/>
+          </a:prstGeom>
+          <a:noFill/>
+        </p:spPr>
+        <p:txBody>
+          <a:bodyPr wrap="square" rtlCol="0">
+            <a:spAutoFit/>
+          </a:bodyPr>
+          <a:lstStyle/>
+          <a:p>
+            <a:r>
+              <a:rPr lang="en-US" sz="4400" dirty="0">
+                <a:solidFill>
+                  <a:schemeClr val="accent2"/>
+                </a:solidFill>
+                <a:latin typeface="Roboto Black" panose="02000000000000000000" pitchFamily="2" charset="0"/>
+                <a:ea typeface="Roboto Black" panose="02000000000000000000" pitchFamily="2" charset="0"/>
+              </a:rPr>
+              <a:t>Sample Script Example</a:t>
+            </a:r>
+          </a:p>
+        </p:txBody>
+      </p:sp>
+    </p:spTree>
+    <p:extLst>
+      <p:ext uri="{BB962C8B-B14F-4D97-AF65-F5344CB8AC3E}">
+        <p14:creationId xmlns:p14="http://schemas.microsoft.com/office/powerpoint/2010/main" val="710672052"/>
+      </p:ext>
+    </p:extLst>
+  </p:cSld>
+  <p:clrMapOvr>
+    <a:masterClrMapping/>
+  </p:clrMapOvr>
+</p:sld>
+</file>
+
+<file path=ppt/slides/slide7.xml><?xml version="1.0" encoding="utf-8"?>
+<p:sld xmlns:a="http://schemas.openxmlformats.org/drawingml/2006/main" xmlns:r="http://schemas.openxmlformats.org/officeDocument/2006/relationships" xmlns:p="http://schemas.openxmlformats.org/presentationml/2006/main">
+  <p:cSld>
+    <p:spTree>
+      <p:nvGrpSpPr>
+        <p:cNvPr id="1" name="">
+          <a:extLst>
+            <a:ext uri="{FF2B5EF4-FFF2-40B4-BE49-F238E27FC236}">
+              <a16:creationId xmlns:a16="http://schemas.microsoft.com/office/drawing/2014/main" id="{1FBAEAC6-0A70-1743-5882-4B6E3DAF2947}"/>
+            </a:ext>
+          </a:extLst>
+        </p:cNvPr>
+        <p:cNvGrpSpPr/>
+        <p:nvPr/>
+      </p:nvGrpSpPr>
+      <p:grpSpPr>
+        <a:xfrm>
+          <a:off x="0" y="0"/>
+          <a:ext cx="0" cy="0"/>
+          <a:chOff x="0" y="0"/>
+          <a:chExt cx="0" cy="0"/>
+        </a:xfrm>
+      </p:grpSpPr>
+      <p:sp>
+        <p:nvSpPr>
+          <p:cNvPr id="4" name="TextBox 3">
+            <a:extLst>
+              <a:ext uri="{FF2B5EF4-FFF2-40B4-BE49-F238E27FC236}">
+                <a16:creationId xmlns:a16="http://schemas.microsoft.com/office/drawing/2014/main" id="{CBACB18C-9719-6BF7-F337-ABD041BFD5BB}"/>
+              </a:ext>
+            </a:extLst>
+          </p:cNvPr>
+          <p:cNvSpPr txBox="1"/>
+          <p:nvPr/>
+        </p:nvSpPr>
+        <p:spPr>
+          <a:xfrm>
+            <a:off x="919717" y="2705724"/>
+            <a:ext cx="3877102" cy="1446550"/>
+          </a:xfrm>
+          <a:prstGeom prst="rect">
+            <a:avLst/>
+          </a:prstGeom>
+          <a:noFill/>
+        </p:spPr>
+        <p:txBody>
+          <a:bodyPr wrap="square" rtlCol="0">
+            <a:spAutoFit/>
+          </a:bodyPr>
+          <a:lstStyle/>
+          <a:p>
+            <a:r>
+              <a:rPr lang="en-US" sz="4400" dirty="0">
+                <a:solidFill>
+                  <a:schemeClr val="accent2"/>
+                </a:solidFill>
+                <a:latin typeface="Roboto Black" panose="02000000000000000000" pitchFamily="2" charset="0"/>
+                <a:ea typeface="Roboto Black" panose="02000000000000000000" pitchFamily="2" charset="0"/>
+              </a:rPr>
+              <a:t>Sample Script Example</a:t>
+            </a:r>
+          </a:p>
+        </p:txBody>
+      </p:sp>
+      <p:pic>
+        <p:nvPicPr>
+          <p:cNvPr id="5" name="Picture 4">
+            <a:extLst>
+              <a:ext uri="{FF2B5EF4-FFF2-40B4-BE49-F238E27FC236}">
+                <a16:creationId xmlns:a16="http://schemas.microsoft.com/office/drawing/2014/main" id="{D95D1B49-861A-FFD9-67BF-738E12481111}"/>
+              </a:ext>
+            </a:extLst>
+          </p:cNvPr>
+          <p:cNvPicPr>
+            <a:picLocks noChangeAspect="1"/>
+          </p:cNvPicPr>
+          <p:nvPr/>
+        </p:nvPicPr>
+        <p:blipFill>
+          <a:blip r:embed="rId2"/>
+          <a:stretch>
+            <a:fillRect/>
+          </a:stretch>
+        </p:blipFill>
+        <p:spPr>
+          <a:xfrm>
+            <a:off x="5789891" y="278296"/>
+            <a:ext cx="5482392" cy="6301408"/>
+          </a:xfrm>
+          <a:prstGeom prst="rect">
+            <a:avLst/>
+          </a:prstGeom>
+        </p:spPr>
+      </p:pic>
+    </p:spTree>
+    <p:extLst>
+      <p:ext uri="{BB962C8B-B14F-4D97-AF65-F5344CB8AC3E}">
+        <p14:creationId xmlns:p14="http://schemas.microsoft.com/office/powerpoint/2010/main" val="4104051153"/>
+      </p:ext>
+    </p:extLst>
+  </p:cSld>
+  <p:clrMapOvr>
+    <a:masterClrMapping/>
+  </p:clrMapOvr>
+</p:sld>
+</file>
+
+<file path=ppt/slides/slide8.xml><?xml version="1.0" encoding="utf-8"?>
+<p:sld xmlns:a="http://schemas.openxmlformats.org/drawingml/2006/main" xmlns:r="http://schemas.openxmlformats.org/officeDocument/2006/relationships" xmlns:p="http://schemas.openxmlformats.org/presentationml/2006/main">
+  <p:cSld>
+    <p:bg>
+      <p:bgPr>
+        <a:solidFill>
+          <a:schemeClr val="bg1"/>
+        </a:solidFill>
+        <a:effectLst/>
+      </p:bgPr>
+    </p:bg>
+    <p:spTree>
+      <p:nvGrpSpPr>
+        <p:cNvPr id="1" name="">
+          <a:extLst>
+            <a:ext uri="{FF2B5EF4-FFF2-40B4-BE49-F238E27FC236}">
+              <a16:creationId xmlns:a16="http://schemas.microsoft.com/office/drawing/2014/main" id="{5CB2E22A-2EDA-0DDF-AA3D-56B4FB89EB9B}"/>
+            </a:ext>
+          </a:extLst>
+        </p:cNvPr>
+        <p:cNvGrpSpPr/>
+        <p:nvPr/>
+      </p:nvGrpSpPr>
+      <p:grpSpPr>
+        <a:xfrm>
+          <a:off x="0" y="0"/>
+          <a:ext cx="0" cy="0"/>
+          <a:chOff x="0" y="0"/>
+          <a:chExt cx="0" cy="0"/>
+        </a:xfrm>
+      </p:grpSpPr>
+      <p:sp useBgFill="1">
+        <p:nvSpPr>
+          <p:cNvPr id="10" name="Rectangle 9">
+            <a:extLst>
+              <a:ext uri="{FF2B5EF4-FFF2-40B4-BE49-F238E27FC236}">
+                <a16:creationId xmlns:a16="http://schemas.microsoft.com/office/drawing/2014/main" id="{D0545FE0-0676-F40C-88AD-9108A5A4A261}"/>
+              </a:ext>
+              <a:ext uri="{C183D7F6-B498-43B3-948B-1728B52AA6E4}">
+                <adec:decorative xmlns:adec="http://schemas.microsoft.com/office/drawing/2017/decorative" val="1"/>
+              </a:ext>
+            </a:extLst>
+          </p:cNvPr>
+          <p:cNvSpPr>
+            <a:spLocks noGrp="1" noRot="1" noChangeAspect="1" noMove="1" noResize="1" noEditPoints="1" noAdjustHandles="1" noChangeArrowheads="1" noChangeShapeType="1" noTextEdit="1"/>
+          </p:cNvSpPr>
+          <p:nvPr>
+            <p:extLst>
+              <p:ext uri="{386F3935-93C4-4BCD-93E2-E3B085C9AB24}">
+                <p16:designElem xmlns:p16="http://schemas.microsoft.com/office/powerpoint/2015/main" val="1"/>
+              </p:ext>
+            </p:extLst>
+          </p:nvPr>
+        </p:nvSpPr>
+        <p:spPr>
+          <a:xfrm>
+            <a:off x="0" y="0"/>
+            <a:ext cx="12188952" cy="6858000"/>
+          </a:xfrm>
+          <a:prstGeom prst="rect">
+            <a:avLst/>
+          </a:prstGeom>
+          <a:ln>
+            <a:noFill/>
+          </a:ln>
+        </p:spPr>
+        <p:style>
+          <a:lnRef idx="2">
+            <a:schemeClr val="accent1">
+              <a:shade val="50000"/>
+            </a:schemeClr>
+          </a:lnRef>
+          <a:fillRef idx="1">
+            <a:schemeClr val="accent1"/>
+          </a:fillRef>
+          <a:effectRef idx="0">
+            <a:schemeClr val="accent1"/>
+          </a:effectRef>
+          <a:fontRef idx="minor">
+            <a:schemeClr val="lt1"/>
+          </a:fontRef>
+        </p:style>
+        <p:txBody>
+          <a:bodyPr rtlCol="0" anchor="ctr"/>
+          <a:lstStyle/>
+          <a:p>
+            <a:pPr algn="ctr"/>
+            <a:endParaRPr lang="en-US"/>
+          </a:p>
+        </p:txBody>
+      </p:sp>
+      <p:sp>
+        <p:nvSpPr>
+          <p:cNvPr id="6" name="TextBox 5">
+            <a:extLst>
+              <a:ext uri="{FF2B5EF4-FFF2-40B4-BE49-F238E27FC236}">
+                <a16:creationId xmlns:a16="http://schemas.microsoft.com/office/drawing/2014/main" id="{F671B302-3B23-A247-4FA6-80C6827A92AF}"/>
+              </a:ext>
+            </a:extLst>
+          </p:cNvPr>
+          <p:cNvSpPr txBox="1"/>
+          <p:nvPr/>
+        </p:nvSpPr>
+        <p:spPr>
+          <a:xfrm>
             <a:off x="680830" y="134996"/>
             <a:ext cx="5643770" cy="769441"/>
           </a:xfrm>
@@ -5785,7 +6697,7 @@
           <p:cNvPr id="7" name="TextBox 6">
             <a:extLst>
               <a:ext uri="{FF2B5EF4-FFF2-40B4-BE49-F238E27FC236}">
-                <a16:creationId xmlns:a16="http://schemas.microsoft.com/office/drawing/2014/main" id="{34B9C1A2-C251-933E-3ECC-99B149BD56FC}"/>
+                <a16:creationId xmlns:a16="http://schemas.microsoft.com/office/drawing/2014/main" id="{153EBB90-A960-5E95-900D-B621BAAFC097}"/>
               </a:ext>
             </a:extLst>
           </p:cNvPr>
@@ -5917,20 +6829,14 @@
           <p:cNvPr id="2" name="Table 1">
             <a:extLst>
               <a:ext uri="{FF2B5EF4-FFF2-40B4-BE49-F238E27FC236}">
-                <a16:creationId xmlns:a16="http://schemas.microsoft.com/office/drawing/2014/main" id="{4BB7BE3D-E214-B390-E02B-249656749311}"/>
+                <a16:creationId xmlns:a16="http://schemas.microsoft.com/office/drawing/2014/main" id="{09F4C9C9-3BF6-13D7-98DD-D25EE75EAC04}"/>
               </a:ext>
             </a:extLst>
           </p:cNvPr>
           <p:cNvGraphicFramePr>
             <a:graphicFrameLocks noGrp="1"/>
           </p:cNvGraphicFramePr>
-          <p:nvPr>
-            <p:extLst>
-              <p:ext uri="{D42A27DB-BD31-4B8C-83A1-F6EECF244321}">
-                <p14:modId xmlns:p14="http://schemas.microsoft.com/office/powerpoint/2010/main" val="1038662970"/>
-              </p:ext>
-            </p:extLst>
-          </p:nvPr>
+          <p:nvPr/>
         </p:nvGraphicFramePr>
         <p:xfrm>
           <a:off x="680829" y="2232517"/>
@@ -6075,7 +6981,7 @@
           <p:cNvPr id="4" name="Picture 3">
             <a:extLst>
               <a:ext uri="{FF2B5EF4-FFF2-40B4-BE49-F238E27FC236}">
-                <a16:creationId xmlns:a16="http://schemas.microsoft.com/office/drawing/2014/main" id="{B5BA31E8-2A1C-FDC1-12E6-66403A5831ED}"/>
+                <a16:creationId xmlns:a16="http://schemas.microsoft.com/office/drawing/2014/main" id="{0885D765-1508-9400-AE68-D7AE9CBB6AFE}"/>
               </a:ext>
             </a:extLst>
           </p:cNvPr>
@@ -6105,20 +7011,14 @@
           <p:cNvPr id="5" name="Table 4">
             <a:extLst>
               <a:ext uri="{FF2B5EF4-FFF2-40B4-BE49-F238E27FC236}">
-                <a16:creationId xmlns:a16="http://schemas.microsoft.com/office/drawing/2014/main" id="{F75FF0C2-895D-D58E-9DAE-4FD1C6A5E2C1}"/>
+                <a16:creationId xmlns:a16="http://schemas.microsoft.com/office/drawing/2014/main" id="{3AB001B4-D6B7-521F-DFF2-F19F4F8F2B0F}"/>
               </a:ext>
             </a:extLst>
           </p:cNvPr>
           <p:cNvGraphicFramePr>
             <a:graphicFrameLocks noGrp="1"/>
           </p:cNvGraphicFramePr>
-          <p:nvPr>
-            <p:extLst>
-              <p:ext uri="{D42A27DB-BD31-4B8C-83A1-F6EECF244321}">
-                <p14:modId xmlns:p14="http://schemas.microsoft.com/office/powerpoint/2010/main" val="777834349"/>
-              </p:ext>
-            </p:extLst>
-          </p:nvPr>
+          <p:nvPr/>
         </p:nvGraphicFramePr>
         <p:xfrm>
           <a:off x="664416" y="3537393"/>
@@ -6516,7 +7416,7 @@
           <p:cNvPr id="9" name="Picture 8">
             <a:extLst>
               <a:ext uri="{FF2B5EF4-FFF2-40B4-BE49-F238E27FC236}">
-                <a16:creationId xmlns:a16="http://schemas.microsoft.com/office/drawing/2014/main" id="{6FA8F9C7-440F-9F55-B53F-445CBE8C982E}"/>
+                <a16:creationId xmlns:a16="http://schemas.microsoft.com/office/drawing/2014/main" id="{E1F64887-5189-2074-7B36-AC8D545F7B20}"/>
               </a:ext>
             </a:extLst>
           </p:cNvPr>
@@ -6544,7 +7444,7 @@
     </p:spTree>
     <p:extLst>
       <p:ext uri="{BB962C8B-B14F-4D97-AF65-F5344CB8AC3E}">
-        <p14:creationId xmlns:p14="http://schemas.microsoft.com/office/powerpoint/2010/main" val="4026568645"/>
+        <p14:creationId xmlns:p14="http://schemas.microsoft.com/office/powerpoint/2010/main" val="2864756509"/>
       </p:ext>
     </p:extLst>
   </p:cSld>
@@ -6554,7 +7454,7 @@
 </p:sld>
 </file>
 
-<file path=ppt/slides/slide6.xml><?xml version="1.0" encoding="utf-8"?>
+<file path=ppt/slides/slide9.xml><?xml version="1.0" encoding="utf-8"?>
 <p:sld xmlns:a="http://schemas.openxmlformats.org/drawingml/2006/main" xmlns:r="http://schemas.openxmlformats.org/officeDocument/2006/relationships" xmlns:p="http://schemas.openxmlformats.org/presentationml/2006/main">
   <p:cSld>
     <p:spTree>
